--- a/Curs3_Java_modul2.pptx
+++ b/Curs3_Java_modul2.pptx
@@ -284,7 +284,7 @@
           <a:p>
             <a:fld id="{19F99E16-0CE7-485D-9EB1-1DF29D18EF8F}" type="datetimeFigureOut">
               <a:rPr lang="en-US" smtClean="0"/>
-              <a:t>10/15/2019</a:t>
+              <a:t>10/22/2019</a:t>
             </a:fld>
             <a:endParaRPr lang="en-US"/>
           </a:p>
@@ -482,7 +482,7 @@
           <a:p>
             <a:fld id="{19F99E16-0CE7-485D-9EB1-1DF29D18EF8F}" type="datetimeFigureOut">
               <a:rPr lang="en-US" smtClean="0"/>
-              <a:t>10/15/2019</a:t>
+              <a:t>10/22/2019</a:t>
             </a:fld>
             <a:endParaRPr lang="en-US"/>
           </a:p>
@@ -690,7 +690,7 @@
           <a:p>
             <a:fld id="{19F99E16-0CE7-485D-9EB1-1DF29D18EF8F}" type="datetimeFigureOut">
               <a:rPr lang="en-US" smtClean="0"/>
-              <a:t>10/15/2019</a:t>
+              <a:t>10/22/2019</a:t>
             </a:fld>
             <a:endParaRPr lang="en-US"/>
           </a:p>
@@ -888,7 +888,7 @@
           <a:p>
             <a:fld id="{19F99E16-0CE7-485D-9EB1-1DF29D18EF8F}" type="datetimeFigureOut">
               <a:rPr lang="en-US" smtClean="0"/>
-              <a:t>10/15/2019</a:t>
+              <a:t>10/22/2019</a:t>
             </a:fld>
             <a:endParaRPr lang="en-US"/>
           </a:p>
@@ -1163,7 +1163,7 @@
           <a:p>
             <a:fld id="{19F99E16-0CE7-485D-9EB1-1DF29D18EF8F}" type="datetimeFigureOut">
               <a:rPr lang="en-US" smtClean="0"/>
-              <a:t>10/15/2019</a:t>
+              <a:t>10/22/2019</a:t>
             </a:fld>
             <a:endParaRPr lang="en-US"/>
           </a:p>
@@ -1428,7 +1428,7 @@
           <a:p>
             <a:fld id="{19F99E16-0CE7-485D-9EB1-1DF29D18EF8F}" type="datetimeFigureOut">
               <a:rPr lang="en-US" smtClean="0"/>
-              <a:t>10/15/2019</a:t>
+              <a:t>10/22/2019</a:t>
             </a:fld>
             <a:endParaRPr lang="en-US"/>
           </a:p>
@@ -1840,7 +1840,7 @@
           <a:p>
             <a:fld id="{19F99E16-0CE7-485D-9EB1-1DF29D18EF8F}" type="datetimeFigureOut">
               <a:rPr lang="en-US" smtClean="0"/>
-              <a:t>10/15/2019</a:t>
+              <a:t>10/22/2019</a:t>
             </a:fld>
             <a:endParaRPr lang="en-US"/>
           </a:p>
@@ -1981,7 +1981,7 @@
           <a:p>
             <a:fld id="{19F99E16-0CE7-485D-9EB1-1DF29D18EF8F}" type="datetimeFigureOut">
               <a:rPr lang="en-US" smtClean="0"/>
-              <a:t>10/15/2019</a:t>
+              <a:t>10/22/2019</a:t>
             </a:fld>
             <a:endParaRPr lang="en-US"/>
           </a:p>
@@ -2094,7 +2094,7 @@
           <a:p>
             <a:fld id="{19F99E16-0CE7-485D-9EB1-1DF29D18EF8F}" type="datetimeFigureOut">
               <a:rPr lang="en-US" smtClean="0"/>
-              <a:t>10/15/2019</a:t>
+              <a:t>10/22/2019</a:t>
             </a:fld>
             <a:endParaRPr lang="en-US"/>
           </a:p>
@@ -2405,7 +2405,7 @@
           <a:p>
             <a:fld id="{19F99E16-0CE7-485D-9EB1-1DF29D18EF8F}" type="datetimeFigureOut">
               <a:rPr lang="en-US" smtClean="0"/>
-              <a:t>10/15/2019</a:t>
+              <a:t>10/22/2019</a:t>
             </a:fld>
             <a:endParaRPr lang="en-US"/>
           </a:p>
@@ -2693,7 +2693,7 @@
           <a:p>
             <a:fld id="{19F99E16-0CE7-485D-9EB1-1DF29D18EF8F}" type="datetimeFigureOut">
               <a:rPr lang="en-US" smtClean="0"/>
-              <a:t>10/15/2019</a:t>
+              <a:t>10/22/2019</a:t>
             </a:fld>
             <a:endParaRPr lang="en-US"/>
           </a:p>
@@ -2934,7 +2934,7 @@
           <a:p>
             <a:fld id="{19F99E16-0CE7-485D-9EB1-1DF29D18EF8F}" type="datetimeFigureOut">
               <a:rPr lang="en-US" smtClean="0"/>
-              <a:t>10/15/2019</a:t>
+              <a:t>10/22/2019</a:t>
             </a:fld>
             <a:endParaRPr lang="en-US"/>
           </a:p>
@@ -4629,13 +4629,6 @@
           <a:p>
             <a:pPr lvl="1"/>
             <a:r>
-              <a:rPr lang="en-US" dirty="0"/>
-              <a:t>copy</a:t>
-            </a:r>
-          </a:p>
-          <a:p>
-            <a:pPr lvl="1"/>
-            <a:r>
               <a:rPr lang="en-US" dirty="0" err="1"/>
               <a:t>binarySearch</a:t>
             </a:r>
@@ -5899,8 +5892,13 @@
             </a:r>
             <a:r>
               <a:rPr lang="en-US" dirty="0"/>
-              <a:t>, size, empty</a:t>
-            </a:r>
+              <a:t>, size, </a:t>
+            </a:r>
+            <a:r>
+              <a:rPr lang="en-US" dirty="0" err="1"/>
+              <a:t>isEmpty</a:t>
+            </a:r>
+            <a:endParaRPr lang="en-US" dirty="0"/>
           </a:p>
           <a:p>
             <a:pPr lvl="1"/>
@@ -6129,23 +6127,151 @@
               <a:rPr lang="en-US" dirty="0" err="1"/>
               <a:t>EnumMap</a:t>
             </a:r>
+            <a:r>
+              <a:rPr lang="en-US" dirty="0"/>
+              <a:t>: </a:t>
+            </a:r>
+            <a:r>
+              <a:rPr lang="en-US" dirty="0" err="1"/>
+              <a:t>cheile</a:t>
+            </a:r>
+            <a:r>
+              <a:rPr lang="en-US" dirty="0"/>
+              <a:t> pot fi </a:t>
+            </a:r>
+            <a:r>
+              <a:rPr lang="en-US" dirty="0" err="1"/>
+              <a:t>doar</a:t>
+            </a:r>
+            <a:r>
+              <a:rPr lang="en-US" dirty="0"/>
+              <a:t> </a:t>
+            </a:r>
+            <a:r>
+              <a:rPr lang="en-US" dirty="0" err="1"/>
+              <a:t>elemente</a:t>
+            </a:r>
+            <a:r>
+              <a:rPr lang="en-US" dirty="0"/>
+              <a:t> ale </a:t>
+            </a:r>
+            <a:r>
+              <a:rPr lang="en-US" dirty="0" err="1"/>
+              <a:t>unui</a:t>
+            </a:r>
+            <a:r>
+              <a:rPr lang="en-US" dirty="0"/>
+              <a:t> </a:t>
+            </a:r>
+            <a:r>
+              <a:rPr lang="en-US" dirty="0" err="1"/>
+              <a:t>enum</a:t>
+            </a:r>
             <a:endParaRPr lang="en-US" dirty="0"/>
           </a:p>
           <a:p>
             <a:pPr lvl="2"/>
             <a:r>
               <a:rPr lang="it-IT" dirty="0"/>
-              <a:t> Properties: permite citirea </a:t>
-            </a:r>
-            <a:r>
-              <a:rPr lang="it-IT"/>
-              <a:t>unui fisier </a:t>
-            </a:r>
-            <a:r>
-              <a:rPr lang="it-IT" dirty="0"/>
-              <a:t>in format cheie-valoare intr-un map</a:t>
-            </a:r>
+              <a:t> Properties: permite citirea unui fisier in format cheie-valoare intr-un map</a:t>
+            </a:r>
+          </a:p>
+          <a:p>
+            <a:pPr marL="914400" lvl="2" indent="0">
+              <a:buNone/>
+            </a:pPr>
             <a:endParaRPr lang="en-US" dirty="0"/>
+          </a:p>
+          <a:p>
+            <a:r>
+              <a:rPr lang="en-US" dirty="0"/>
+              <a:t>Cum </a:t>
+            </a:r>
+            <a:r>
+              <a:rPr lang="en-US" dirty="0" err="1"/>
+              <a:t>functioneza</a:t>
+            </a:r>
+            <a:r>
+              <a:rPr lang="en-US" dirty="0"/>
+              <a:t>: </a:t>
+            </a:r>
+            <a:r>
+              <a:rPr lang="en-US" dirty="0" err="1"/>
+              <a:t>mapeaza</a:t>
+            </a:r>
+            <a:r>
+              <a:rPr lang="en-US" dirty="0"/>
+              <a:t> </a:t>
+            </a:r>
+            <a:r>
+              <a:rPr lang="en-US" dirty="0" err="1"/>
+              <a:t>cheia</a:t>
+            </a:r>
+            <a:r>
+              <a:rPr lang="en-US" dirty="0"/>
+              <a:t> la un </a:t>
+            </a:r>
+            <a:r>
+              <a:rPr lang="en-US" dirty="0" err="1"/>
+              <a:t>hashcode</a:t>
+            </a:r>
+            <a:r>
+              <a:rPr lang="en-US" dirty="0"/>
+              <a:t>, care, la </a:t>
+            </a:r>
+            <a:r>
+              <a:rPr lang="en-US" dirty="0" err="1"/>
+              <a:t>randul</a:t>
+            </a:r>
+            <a:r>
+              <a:rPr lang="en-US" dirty="0"/>
+              <a:t> </a:t>
+            </a:r>
+            <a:r>
+              <a:rPr lang="en-US" dirty="0" err="1"/>
+              <a:t>lui</a:t>
+            </a:r>
+            <a:r>
+              <a:rPr lang="en-US" dirty="0"/>
+              <a:t>, se </a:t>
+            </a:r>
+            <a:r>
+              <a:rPr lang="en-US" dirty="0" err="1"/>
+              <a:t>va</a:t>
+            </a:r>
+            <a:r>
+              <a:rPr lang="en-US" dirty="0"/>
+              <a:t> </a:t>
+            </a:r>
+            <a:r>
+              <a:rPr lang="en-US" dirty="0" err="1"/>
+              <a:t>mapa</a:t>
+            </a:r>
+            <a:r>
+              <a:rPr lang="en-US" dirty="0"/>
+              <a:t> </a:t>
+            </a:r>
+            <a:r>
+              <a:rPr lang="en-US" dirty="0" err="1"/>
+              <a:t>intr</a:t>
+            </a:r>
+            <a:r>
+              <a:rPr lang="en-US" dirty="0"/>
+              <a:t>-un index </a:t>
+            </a:r>
+            <a:r>
+              <a:rPr lang="en-US" dirty="0" err="1"/>
+              <a:t>pentru</a:t>
+            </a:r>
+            <a:r>
+              <a:rPr lang="en-US" dirty="0"/>
+              <a:t> array-ul intern al Map-</a:t>
+            </a:r>
+            <a:r>
+              <a:rPr lang="en-US" dirty="0" err="1"/>
+              <a:t>ului</a:t>
+            </a:r>
+            <a:endParaRPr lang="it-IT" dirty="0"/>
           </a:p>
         </p:txBody>
       </p:sp>
@@ -6208,7 +6334,7 @@
         </p:blipFill>
         <p:spPr bwMode="auto">
           <a:xfrm>
-            <a:off x="2796617" y="2571162"/>
+            <a:off x="4427455" y="3051930"/>
             <a:ext cx="6598765" cy="3711805"/>
           </a:xfrm>
           <a:prstGeom prst="rect">
@@ -6254,6 +6380,42 @@
           </a:bodyPr>
           <a:lstStyle/>
           <a:p>
+            <a:br>
+              <a:rPr lang="en-US" sz="3000" dirty="0"/>
+            </a:br>
+            <a:br>
+              <a:rPr lang="en-US" sz="3000" dirty="0"/>
+            </a:br>
+            <a:r>
+              <a:rPr lang="en-US" sz="3000" dirty="0"/>
+              <a:t>O(n) = </a:t>
+            </a:r>
+            <a:r>
+              <a:rPr lang="en-US" sz="3000" dirty="0" err="1"/>
+              <a:t>cel</a:t>
+            </a:r>
+            <a:r>
+              <a:rPr lang="en-US" sz="3000" dirty="0"/>
+              <a:t> </a:t>
+            </a:r>
+            <a:r>
+              <a:rPr lang="en-US" sz="3000" dirty="0" err="1"/>
+              <a:t>mult</a:t>
+            </a:r>
+            <a:r>
+              <a:rPr lang="en-US" sz="3000" dirty="0"/>
+              <a:t> n </a:t>
+            </a:r>
+            <a:r>
+              <a:rPr lang="en-US" sz="3000" dirty="0" err="1"/>
+              <a:t>pasi</a:t>
+            </a:r>
+            <a:br>
+              <a:rPr lang="en-US" sz="3000" dirty="0"/>
+            </a:br>
+            <a:br>
+              <a:rPr lang="en-US" sz="3000" dirty="0"/>
+            </a:br>
             <a:r>
               <a:rPr lang="en-US" sz="3000" dirty="0"/>
               <a:t>O(1) = </a:t>
@@ -6605,7 +6767,15 @@
             </a:r>
             <a:r>
               <a:rPr lang="en-US" dirty="0"/>
-              <a:t> (reverse, fill, copy, swap, </a:t>
+              <a:t> (reverse</a:t>
+            </a:r>
+            <a:r>
+              <a:rPr lang="en-US"/>
+              <a:t>, fill, </a:t>
+            </a:r>
+            <a:r>
+              <a:rPr lang="en-US" dirty="0"/>
+              <a:t>swap, </a:t>
             </a:r>
             <a:r>
               <a:rPr lang="en-US" dirty="0" err="1"/>
@@ -6974,7 +7144,23 @@
             </a:r>
             <a:r>
               <a:rPr lang="en-US" b="1" dirty="0"/>
-              <a:t> Comparable</a:t>
+              <a:t> Comparable, cu </a:t>
+            </a:r>
+            <a:r>
+              <a:rPr lang="en-US" b="1" dirty="0" err="1"/>
+              <a:t>metoda</a:t>
+            </a:r>
+            <a:r>
+              <a:rPr lang="en-US" b="1" dirty="0"/>
+              <a:t> </a:t>
+            </a:r>
+            <a:r>
+              <a:rPr lang="en-US" b="1" dirty="0" err="1"/>
+              <a:t>compareTo</a:t>
+            </a:r>
+            <a:r>
+              <a:rPr lang="en-US" b="1" dirty="0"/>
+              <a:t>(E element)</a:t>
             </a:r>
           </a:p>
           <a:p>
@@ -7028,7 +7214,15 @@
             </a:r>
             <a:r>
               <a:rPr lang="en-US" b="1" dirty="0"/>
-              <a:t> Comparator </a:t>
+              <a:t> Comparator, cu </a:t>
+            </a:r>
+            <a:r>
+              <a:rPr lang="en-US" b="1" dirty="0" err="1"/>
+              <a:t>metoda</a:t>
+            </a:r>
+            <a:r>
+              <a:rPr lang="en-US" b="1" dirty="0"/>
+              <a:t> compare(E el1, E el2) </a:t>
             </a:r>
             <a:r>
               <a:rPr lang="en-US" dirty="0" err="1"/>
